--- a/Cyclistic_DA/Bike-share_DA.pptx
+++ b/Cyclistic_DA/Bike-share_DA.pptx
@@ -274,7 +274,7 @@
           <a:p>
             <a:fld id="{9B0EC89D-23B9-4B4F-908A-099F765E7C99}" type="datetimeFigureOut">
               <a:rPr lang="en-US" smtClean="0"/>
-              <a:t>8/9/2025</a:t>
+              <a:t>8/18/2025</a:t>
             </a:fld>
             <a:endParaRPr lang="en-US"/>
           </a:p>
@@ -472,7 +472,7 @@
           <a:p>
             <a:fld id="{9B0EC89D-23B9-4B4F-908A-099F765E7C99}" type="datetimeFigureOut">
               <a:rPr lang="en-US" smtClean="0"/>
-              <a:t>8/9/2025</a:t>
+              <a:t>8/18/2025</a:t>
             </a:fld>
             <a:endParaRPr lang="en-US"/>
           </a:p>
@@ -680,7 +680,7 @@
           <a:p>
             <a:fld id="{9B0EC89D-23B9-4B4F-908A-099F765E7C99}" type="datetimeFigureOut">
               <a:rPr lang="en-US" smtClean="0"/>
-              <a:t>8/9/2025</a:t>
+              <a:t>8/18/2025</a:t>
             </a:fld>
             <a:endParaRPr lang="en-US"/>
           </a:p>
@@ -878,7 +878,7 @@
           <a:p>
             <a:fld id="{9B0EC89D-23B9-4B4F-908A-099F765E7C99}" type="datetimeFigureOut">
               <a:rPr lang="en-US" smtClean="0"/>
-              <a:t>8/9/2025</a:t>
+              <a:t>8/18/2025</a:t>
             </a:fld>
             <a:endParaRPr lang="en-US"/>
           </a:p>
@@ -1153,7 +1153,7 @@
           <a:p>
             <a:fld id="{9B0EC89D-23B9-4B4F-908A-099F765E7C99}" type="datetimeFigureOut">
               <a:rPr lang="en-US" smtClean="0"/>
-              <a:t>8/9/2025</a:t>
+              <a:t>8/18/2025</a:t>
             </a:fld>
             <a:endParaRPr lang="en-US"/>
           </a:p>
@@ -1418,7 +1418,7 @@
           <a:p>
             <a:fld id="{9B0EC89D-23B9-4B4F-908A-099F765E7C99}" type="datetimeFigureOut">
               <a:rPr lang="en-US" smtClean="0"/>
-              <a:t>8/9/2025</a:t>
+              <a:t>8/18/2025</a:t>
             </a:fld>
             <a:endParaRPr lang="en-US"/>
           </a:p>
@@ -1830,7 +1830,7 @@
           <a:p>
             <a:fld id="{9B0EC89D-23B9-4B4F-908A-099F765E7C99}" type="datetimeFigureOut">
               <a:rPr lang="en-US" smtClean="0"/>
-              <a:t>8/9/2025</a:t>
+              <a:t>8/18/2025</a:t>
             </a:fld>
             <a:endParaRPr lang="en-US"/>
           </a:p>
@@ -1971,7 +1971,7 @@
           <a:p>
             <a:fld id="{9B0EC89D-23B9-4B4F-908A-099F765E7C99}" type="datetimeFigureOut">
               <a:rPr lang="en-US" smtClean="0"/>
-              <a:t>8/9/2025</a:t>
+              <a:t>8/18/2025</a:t>
             </a:fld>
             <a:endParaRPr lang="en-US"/>
           </a:p>
@@ -2084,7 +2084,7 @@
           <a:p>
             <a:fld id="{9B0EC89D-23B9-4B4F-908A-099F765E7C99}" type="datetimeFigureOut">
               <a:rPr lang="en-US" smtClean="0"/>
-              <a:t>8/9/2025</a:t>
+              <a:t>8/18/2025</a:t>
             </a:fld>
             <a:endParaRPr lang="en-US"/>
           </a:p>
@@ -2395,7 +2395,7 @@
           <a:p>
             <a:fld id="{9B0EC89D-23B9-4B4F-908A-099F765E7C99}" type="datetimeFigureOut">
               <a:rPr lang="en-US" smtClean="0"/>
-              <a:t>8/9/2025</a:t>
+              <a:t>8/18/2025</a:t>
             </a:fld>
             <a:endParaRPr lang="en-US"/>
           </a:p>
@@ -2683,7 +2683,7 @@
           <a:p>
             <a:fld id="{9B0EC89D-23B9-4B4F-908A-099F765E7C99}" type="datetimeFigureOut">
               <a:rPr lang="en-US" smtClean="0"/>
-              <a:t>8/9/2025</a:t>
+              <a:t>8/18/2025</a:t>
             </a:fld>
             <a:endParaRPr lang="en-US"/>
           </a:p>
@@ -2924,7 +2924,7 @@
           <a:p>
             <a:fld id="{9B0EC89D-23B9-4B4F-908A-099F765E7C99}" type="datetimeFigureOut">
               <a:rPr lang="en-US" smtClean="0"/>
-              <a:t>8/9/2025</a:t>
+              <a:t>8/18/2025</a:t>
             </a:fld>
             <a:endParaRPr lang="en-US"/>
           </a:p>
@@ -4970,7 +4970,15 @@
             </a:pPr>
             <a:r>
               <a:rPr lang="en-US" sz="2000" dirty="0"/>
-              <a:t>The data consist of 12 “.csv” file, each representing a month of trips.</a:t>
+              <a:t>The </a:t>
+            </a:r>
+            <a:r>
+              <a:rPr lang="en-US" sz="2000"/>
+              <a:t>data consists </a:t>
+            </a:r>
+            <a:r>
+              <a:rPr lang="en-US" sz="2000" dirty="0"/>
+              <a:t>of 12 “.csv” file, each representing a month of trips.</a:t>
             </a:r>
           </a:p>
           <a:p>
